--- a/notes/cmpo running notes.pptx
+++ b/notes/cmpo running notes.pptx
@@ -5,14 +5,16 @@
     <p:sldMasterId id="2147483648" r:id="rId1"/>
   </p:sldMasterIdLst>
   <p:notesMasterIdLst>
-    <p:notesMasterId r:id="rId6"/>
+    <p:notesMasterId r:id="rId5"/>
   </p:notesMasterIdLst>
   <p:sldIdLst>
     <p:sldId id="256" r:id="rId3"/>
     <p:sldId id="257" r:id="rId4"/>
-    <p:sldId id="258" r:id="rId5"/>
+    <p:sldId id="258" r:id="rId6"/>
     <p:sldId id="259" r:id="rId7"/>
     <p:sldId id="260" r:id="rId8"/>
+    <p:sldId id="261" r:id="rId9"/>
+    <p:sldId id="262" r:id="rId10"/>
   </p:sldIdLst>
   <p:sldSz cx="12192000" cy="6858000"/>
   <p:notesSz cx="7103745" cy="10234295"/>
@@ -493,10 +495,6 @@
         <p:txBody>
           <a:bodyPr/>
           <a:p>
-            <a:r>
-              <a:rPr lang="en-US"/>
-              <a:t>fixed init : ++-|</a:t>
-            </a:r>
             <a:endParaRPr lang="en-US"/>
           </a:p>
         </p:txBody>
@@ -510,6 +508,54 @@
 </file>
 
 <file path=ppt/notesSlides/notesSlide2.xml><?xml version="1.0" encoding="utf-8"?>
+<p:notes xmlns:a="http://schemas.openxmlformats.org/drawingml/2006/main" xmlns:r="http://schemas.openxmlformats.org/officeDocument/2006/relationships" xmlns:p="http://schemas.openxmlformats.org/presentationml/2006/main">
+  <p:cSld>
+    <p:spTree>
+      <p:nvGrpSpPr>
+        <p:cNvPr id="1" name=""/>
+        <p:cNvGrpSpPr/>
+        <p:nvPr/>
+      </p:nvGrpSpPr>
+      <p:grpSpPr/>
+      <p:sp>
+        <p:nvSpPr>
+          <p:cNvPr id="2" name="Slide Image Placeholder 1"/>
+          <p:cNvSpPr/>
+          <p:nvPr>
+            <p:ph type="sldImg" idx="2"/>
+          </p:nvPr>
+        </p:nvSpPr>
+        <p:spPr/>
+      </p:sp>
+      <p:sp>
+        <p:nvSpPr>
+          <p:cNvPr id="3" name="Text Placeholder 2"/>
+          <p:cNvSpPr/>
+          <p:nvPr>
+            <p:ph type="body" idx="3"/>
+          </p:nvPr>
+        </p:nvSpPr>
+        <p:spPr/>
+        <p:txBody>
+          <a:bodyPr/>
+          <a:p>
+            <a:r>
+              <a:rPr lang="en-US"/>
+              <a:t>fixed init : ++-|</a:t>
+            </a:r>
+            <a:endParaRPr lang="en-US"/>
+          </a:p>
+        </p:txBody>
+      </p:sp>
+    </p:spTree>
+  </p:cSld>
+  <p:clrMapOvr>
+    <a:masterClrMapping/>
+  </p:clrMapOvr>
+</p:notes>
+</file>
+
+<file path=ppt/notesSlides/notesSlide3.xml><?xml version="1.0" encoding="utf-8"?>
 <p:notes xmlns:a="http://schemas.openxmlformats.org/drawingml/2006/main" xmlns:r="http://schemas.openxmlformats.org/officeDocument/2006/relationships" xmlns:p="http://schemas.openxmlformats.org/presentationml/2006/main">
   <p:cSld>
     <p:spTree>
@@ -3264,7 +3310,7 @@
       </p:pic>
       <p:pic>
         <p:nvPicPr>
-          <p:cNvPr id="5" name="Picture 4" descr="截屏2021-03-22 下午2.28.13"/>
+          <p:cNvPr id="3" name="Picture 2" descr="截屏2021-03-22 下午4.10.09"/>
           <p:cNvPicPr>
             <a:picLocks noChangeAspect="1"/>
           </p:cNvPicPr>
@@ -3278,8 +3324,8 @@
         </p:blipFill>
         <p:spPr>
           <a:xfrm>
-            <a:off x="6040755" y="1825625"/>
-            <a:ext cx="5399405" cy="4229735"/>
+            <a:off x="6040120" y="1757680"/>
+            <a:ext cx="5635625" cy="4308475"/>
           </a:xfrm>
           <a:prstGeom prst="rect">
             <a:avLst/>
@@ -3455,7 +3501,7 @@
           <a:p>
             <a:r>
               <a:rPr lang="en-US"/>
-              <a:t>2020.03.23 : β=1, Free energy loss </a:t>
+              <a:t>2020.03.23 : β=20, Free energy loss </a:t>
             </a:r>
             <a:endParaRPr lang="en-US"/>
           </a:p>
@@ -3544,7 +3590,7 @@
                         <a:latin typeface="Cambria Math" charset="0"/>
                         <a:cs typeface="Cambria Math" charset="0"/>
                       </a:rPr>
-                      <m:t>1</m:t>
+                      <m:t>20</m:t>
                     </m:r>
                   </m:oMath>
                 </a14:m>
@@ -3609,6 +3655,294 @@
           <a:xfrm>
             <a:off x="2311400" y="1483995"/>
             <a:ext cx="6985635" cy="5289550"/>
+          </a:xfrm>
+          <a:prstGeom prst="rect">
+            <a:avLst/>
+          </a:prstGeom>
+        </p:spPr>
+      </p:pic>
+    </p:spTree>
+  </p:cSld>
+  <p:clrMapOvr>
+    <a:masterClrMapping/>
+  </p:clrMapOvr>
+</p:sld>
+</file>
+
+<file path=ppt/slides/slide6.xml><?xml version="1.0" encoding="utf-8"?>
+<p:sld xmlns:a="http://schemas.openxmlformats.org/drawingml/2006/main" xmlns:r="http://schemas.openxmlformats.org/officeDocument/2006/relationships" xmlns:p="http://schemas.openxmlformats.org/presentationml/2006/main">
+  <p:cSld>
+    <p:spTree>
+      <p:nvGrpSpPr>
+        <p:cNvPr id="1" name=""/>
+        <p:cNvGrpSpPr/>
+        <p:nvPr/>
+      </p:nvGrpSpPr>
+      <p:grpSpPr/>
+      <p:sp>
+        <p:nvSpPr>
+          <p:cNvPr id="2" name="Title 1"/>
+          <p:cNvSpPr>
+            <a:spLocks noGrp="1"/>
+          </p:cNvSpPr>
+          <p:nvPr>
+            <p:ph type="title"/>
+          </p:nvPr>
+        </p:nvSpPr>
+        <p:spPr/>
+        <p:txBody>
+          <a:bodyPr>
+            <a:normAutofit/>
+          </a:bodyPr>
+          <a:p>
+            <a:r>
+              <a:rPr lang="en-US"/>
+              <a:t>2020.03.23 :  Cool, Free energy loss</a:t>
+            </a:r>
+            <a:endParaRPr lang="en-US"/>
+          </a:p>
+        </p:txBody>
+      </p:sp>
+      <p:pic>
+        <p:nvPicPr>
+          <p:cNvPr id="3" name="Picture 2" descr="截屏2021-03-22 下午4.46.56"/>
+          <p:cNvPicPr>
+            <a:picLocks noChangeAspect="1"/>
+          </p:cNvPicPr>
+          <p:nvPr/>
+        </p:nvPicPr>
+        <p:blipFill>
+          <a:blip r:embed="rId1"/>
+          <a:stretch>
+            <a:fillRect/>
+          </a:stretch>
+        </p:blipFill>
+        <p:spPr>
+          <a:xfrm>
+            <a:off x="38100" y="2576830"/>
+            <a:ext cx="3976370" cy="3039745"/>
+          </a:xfrm>
+          <a:prstGeom prst="rect">
+            <a:avLst/>
+          </a:prstGeom>
+        </p:spPr>
+      </p:pic>
+      <p:pic>
+        <p:nvPicPr>
+          <p:cNvPr id="5" name="Picture 4" descr="截屏2021-03-22 下午4.47.43"/>
+          <p:cNvPicPr>
+            <a:picLocks noChangeAspect="1"/>
+          </p:cNvPicPr>
+          <p:nvPr/>
+        </p:nvPicPr>
+        <p:blipFill>
+          <a:blip r:embed="rId2"/>
+          <a:stretch>
+            <a:fillRect/>
+          </a:stretch>
+        </p:blipFill>
+        <p:spPr>
+          <a:xfrm>
+            <a:off x="3811270" y="2576830"/>
+            <a:ext cx="3905250" cy="3047365"/>
+          </a:xfrm>
+          <a:prstGeom prst="rect">
+            <a:avLst/>
+          </a:prstGeom>
+        </p:spPr>
+      </p:pic>
+      <p:pic>
+        <p:nvPicPr>
+          <p:cNvPr id="6" name="Picture 5" descr="截屏2021-03-22 下午4.48.16"/>
+          <p:cNvPicPr>
+            <a:picLocks noChangeAspect="1"/>
+          </p:cNvPicPr>
+          <p:nvPr/>
+        </p:nvPicPr>
+        <p:blipFill>
+          <a:blip r:embed="rId3"/>
+          <a:stretch>
+            <a:fillRect/>
+          </a:stretch>
+        </p:blipFill>
+        <p:spPr>
+          <a:xfrm>
+            <a:off x="7793355" y="2597785"/>
+            <a:ext cx="3785870" cy="3022600"/>
+          </a:xfrm>
+          <a:prstGeom prst="rect">
+            <a:avLst/>
+          </a:prstGeom>
+        </p:spPr>
+      </p:pic>
+      <p:cxnSp>
+        <p:nvCxnSpPr>
+          <p:cNvPr id="8" name="Straight Arrow Connector 7"/>
+          <p:cNvCxnSpPr/>
+          <p:nvPr/>
+        </p:nvCxnSpPr>
+        <p:spPr>
+          <a:xfrm flipH="1">
+            <a:off x="589915" y="2292350"/>
+            <a:ext cx="127000" cy="305435"/>
+          </a:xfrm>
+          <a:prstGeom prst="straightConnector1">
+            <a:avLst/>
+          </a:prstGeom>
+          <a:ln w="19050">
+            <a:solidFill>
+              <a:schemeClr val="accent2"/>
+            </a:solidFill>
+            <a:tailEnd type="arrow" w="med" len="med"/>
+          </a:ln>
+        </p:spPr>
+        <p:style>
+          <a:lnRef idx="1">
+            <a:schemeClr val="accent2"/>
+          </a:lnRef>
+          <a:fillRef idx="0">
+            <a:schemeClr val="accent2"/>
+          </a:fillRef>
+          <a:effectRef idx="0">
+            <a:schemeClr val="accent2"/>
+          </a:effectRef>
+          <a:fontRef idx="minor">
+            <a:schemeClr val="tx1"/>
+          </a:fontRef>
+        </p:style>
+      </p:cxnSp>
+      <p:cxnSp>
+        <p:nvCxnSpPr>
+          <p:cNvPr id="9" name="Straight Arrow Connector 8"/>
+          <p:cNvCxnSpPr/>
+          <p:nvPr/>
+        </p:nvCxnSpPr>
+        <p:spPr>
+          <a:xfrm flipH="1">
+            <a:off x="4365625" y="2292350"/>
+            <a:ext cx="127000" cy="305435"/>
+          </a:xfrm>
+          <a:prstGeom prst="straightConnector1">
+            <a:avLst/>
+          </a:prstGeom>
+          <a:ln w="19050">
+            <a:solidFill>
+              <a:schemeClr val="accent2"/>
+            </a:solidFill>
+            <a:tailEnd type="arrow" w="med" len="med"/>
+          </a:ln>
+        </p:spPr>
+        <p:style>
+          <a:lnRef idx="1">
+            <a:schemeClr val="accent2"/>
+          </a:lnRef>
+          <a:fillRef idx="0">
+            <a:schemeClr val="accent2"/>
+          </a:fillRef>
+          <a:effectRef idx="0">
+            <a:schemeClr val="accent2"/>
+          </a:effectRef>
+          <a:fontRef idx="minor">
+            <a:schemeClr val="tx1"/>
+          </a:fontRef>
+        </p:style>
+      </p:cxnSp>
+      <p:cxnSp>
+        <p:nvCxnSpPr>
+          <p:cNvPr id="11" name="Straight Arrow Connector 10"/>
+          <p:cNvCxnSpPr/>
+          <p:nvPr/>
+        </p:nvCxnSpPr>
+        <p:spPr>
+          <a:xfrm flipH="1">
+            <a:off x="8300085" y="2292350"/>
+            <a:ext cx="127000" cy="305435"/>
+          </a:xfrm>
+          <a:prstGeom prst="straightConnector1">
+            <a:avLst/>
+          </a:prstGeom>
+          <a:ln w="19050">
+            <a:solidFill>
+              <a:schemeClr val="accent2"/>
+            </a:solidFill>
+            <a:tailEnd type="arrow" w="med" len="med"/>
+          </a:ln>
+        </p:spPr>
+        <p:style>
+          <a:lnRef idx="1">
+            <a:schemeClr val="accent2"/>
+          </a:lnRef>
+          <a:fillRef idx="0">
+            <a:schemeClr val="accent2"/>
+          </a:fillRef>
+          <a:effectRef idx="0">
+            <a:schemeClr val="accent2"/>
+          </a:effectRef>
+          <a:fontRef idx="minor">
+            <a:schemeClr val="tx1"/>
+          </a:fontRef>
+        </p:style>
+      </p:cxnSp>
+    </p:spTree>
+  </p:cSld>
+  <p:clrMapOvr>
+    <a:masterClrMapping/>
+  </p:clrMapOvr>
+</p:sld>
+</file>
+
+<file path=ppt/slides/slide7.xml><?xml version="1.0" encoding="utf-8"?>
+<p:sld xmlns:a="http://schemas.openxmlformats.org/drawingml/2006/main" xmlns:r="http://schemas.openxmlformats.org/officeDocument/2006/relationships" xmlns:p="http://schemas.openxmlformats.org/presentationml/2006/main">
+  <p:cSld>
+    <p:spTree>
+      <p:nvGrpSpPr>
+        <p:cNvPr id="1" name=""/>
+        <p:cNvGrpSpPr/>
+        <p:nvPr/>
+      </p:nvGrpSpPr>
+      <p:grpSpPr/>
+      <p:sp>
+        <p:nvSpPr>
+          <p:cNvPr id="2" name="Title 1"/>
+          <p:cNvSpPr>
+            <a:spLocks noGrp="1"/>
+          </p:cNvSpPr>
+          <p:nvPr>
+            <p:ph type="title"/>
+          </p:nvPr>
+        </p:nvSpPr>
+        <p:spPr/>
+        <p:txBody>
+          <a:bodyPr>
+            <a:normAutofit/>
+          </a:bodyPr>
+          <a:p>
+            <a:r>
+              <a:rPr lang="en-US"/>
+              <a:t>2020.03.23 :  Cool, &lt; sx &gt;</a:t>
+            </a:r>
+            <a:endParaRPr lang="en-US"/>
+          </a:p>
+        </p:txBody>
+      </p:sp>
+      <p:pic>
+        <p:nvPicPr>
+          <p:cNvPr id="3" name="Picture 2" descr="截屏2021-03-22 下午4.49.19"/>
+          <p:cNvPicPr>
+            <a:picLocks noChangeAspect="1"/>
+          </p:cNvPicPr>
+          <p:nvPr/>
+        </p:nvPicPr>
+        <p:blipFill>
+          <a:blip r:embed="rId1"/>
+          <a:stretch>
+            <a:fillRect/>
+          </a:stretch>
+        </p:blipFill>
+        <p:spPr>
+          <a:xfrm>
+            <a:off x="2209165" y="1597025"/>
+            <a:ext cx="6462395" cy="5043170"/>
           </a:xfrm>
           <a:prstGeom prst="rect">
             <a:avLst/>
